--- a/_PowerPoints/2nd Semester/Unit 9 Logarithms/Algebra_4_Day_077 7.6 Natural Logarithms.pptx
+++ b/_PowerPoints/2nd Semester/Unit 9 Logarithms/Algebra_4_Day_077 7.6 Natural Logarithms.pptx
@@ -290,7 +290,7 @@
             <a:fld id="{87DE6118-2437-4B30-8E3C-4D2BE6020583}" type="datetimeFigureOut">
               <a:rPr lang="en-US" dirty="0"/>
               <a:pPr/>
-              <a:t>4/16/2018</a:t>
+              <a:t>5/7/2018</a:t>
             </a:fld>
             <a:endParaRPr lang="en-US" dirty="0"/>
           </a:p>
@@ -616,7 +616,7 @@
           <a:p>
             <a:fld id="{87DE6118-2437-4B30-8E3C-4D2BE6020583}" type="datetimeFigureOut">
               <a:rPr lang="en-US" dirty="0"/>
-              <a:t>4/16/2018</a:t>
+              <a:t>5/7/2018</a:t>
             </a:fld>
             <a:endParaRPr lang="en-US" dirty="0"/>
           </a:p>
@@ -791,7 +791,7 @@
           <a:p>
             <a:fld id="{87DE6118-2437-4B30-8E3C-4D2BE6020583}" type="datetimeFigureOut">
               <a:rPr lang="en-US" dirty="0"/>
-              <a:t>4/16/2018</a:t>
+              <a:t>5/7/2018</a:t>
             </a:fld>
             <a:endParaRPr lang="en-US" dirty="0"/>
           </a:p>
@@ -956,7 +956,7 @@
           <a:p>
             <a:fld id="{87DE6118-2437-4B30-8E3C-4D2BE6020583}" type="datetimeFigureOut">
               <a:rPr lang="en-US" dirty="0"/>
-              <a:t>4/16/2018</a:t>
+              <a:t>5/7/2018</a:t>
             </a:fld>
             <a:endParaRPr lang="en-US" dirty="0"/>
           </a:p>
@@ -1229,7 +1229,7 @@
             <a:fld id="{87DE6118-2437-4B30-8E3C-4D2BE6020583}" type="datetimeFigureOut">
               <a:rPr lang="en-US" dirty="0"/>
               <a:pPr/>
-              <a:t>4/16/2018</a:t>
+              <a:t>5/7/2018</a:t>
             </a:fld>
             <a:endParaRPr lang="en-US" dirty="0"/>
           </a:p>
@@ -1619,7 +1619,7 @@
           <a:p>
             <a:fld id="{87DE6118-2437-4B30-8E3C-4D2BE6020583}" type="datetimeFigureOut">
               <a:rPr lang="en-US" dirty="0"/>
-              <a:t>4/16/2018</a:t>
+              <a:t>5/7/2018</a:t>
             </a:fld>
             <a:endParaRPr lang="en-US" dirty="0"/>
           </a:p>
@@ -2091,7 +2091,7 @@
           <a:p>
             <a:fld id="{87DE6118-2437-4B30-8E3C-4D2BE6020583}" type="datetimeFigureOut">
               <a:rPr lang="en-US" dirty="0"/>
-              <a:t>4/16/2018</a:t>
+              <a:t>5/7/2018</a:t>
             </a:fld>
             <a:endParaRPr lang="en-US" dirty="0"/>
           </a:p>
@@ -2204,7 +2204,7 @@
           <a:p>
             <a:fld id="{87DE6118-2437-4B30-8E3C-4D2BE6020583}" type="datetimeFigureOut">
               <a:rPr lang="en-US" dirty="0"/>
-              <a:t>4/16/2018</a:t>
+              <a:t>5/7/2018</a:t>
             </a:fld>
             <a:endParaRPr lang="en-US" dirty="0"/>
           </a:p>
@@ -2294,7 +2294,7 @@
           <a:p>
             <a:fld id="{87DE6118-2437-4B30-8E3C-4D2BE6020583}" type="datetimeFigureOut">
               <a:rPr lang="en-US" dirty="0"/>
-              <a:t>4/16/2018</a:t>
+              <a:t>5/7/2018</a:t>
             </a:fld>
             <a:endParaRPr lang="en-US" dirty="0"/>
           </a:p>
@@ -2636,7 +2636,7 @@
             <a:fld id="{87DE6118-2437-4B30-8E3C-4D2BE6020583}" type="datetimeFigureOut">
               <a:rPr lang="en-US" dirty="0"/>
               <a:pPr/>
-              <a:t>4/16/2018</a:t>
+              <a:t>5/7/2018</a:t>
             </a:fld>
             <a:endParaRPr lang="en-US" dirty="0"/>
           </a:p>
@@ -3021,7 +3021,7 @@
             <a:fld id="{87DE6118-2437-4B30-8E3C-4D2BE6020583}" type="datetimeFigureOut">
               <a:rPr lang="en-US" dirty="0"/>
               <a:pPr/>
-              <a:t>4/16/2018</a:t>
+              <a:t>5/7/2018</a:t>
             </a:fld>
             <a:endParaRPr lang="en-US" dirty="0"/>
           </a:p>
@@ -3296,7 +3296,7 @@
             <a:fld id="{87DE6118-2437-4B30-8E3C-4D2BE6020583}" type="datetimeFigureOut">
               <a:rPr lang="en-US" dirty="0"/>
               <a:pPr/>
-              <a:t>4/16/2018</a:t>
+              <a:t>5/7/2018</a:t>
             </a:fld>
             <a:endParaRPr lang="en-US" dirty="0"/>
           </a:p>
@@ -3832,8 +3832,8 @@
           </a:p>
         </p:txBody>
       </p:sp>
-      <mc:AlternateContent xmlns:mc="http://schemas.openxmlformats.org/markup-compatibility/2006" xmlns:a14="http://schemas.microsoft.com/office/drawing/2010/main">
-        <mc:Choice Requires="a14">
+      <mc:AlternateContent xmlns:mc="http://schemas.openxmlformats.org/markup-compatibility/2006">
+        <mc:Choice xmlns:a14="http://schemas.microsoft.com/office/drawing/2010/main" Requires="a14">
           <p:sp>
             <p:nvSpPr>
               <p:cNvPr id="3" name="Content Placeholder 2"/>
@@ -3884,15 +3884,27 @@
                             <a:rPr lang="en-US" sz="3200" i="1">
                               <a:latin typeface="Cambria Math" panose="02040503050406030204" pitchFamily="18" charset="0"/>
                             </a:rPr>
-                            <m:t>.) 5(3)</m:t>
+                            <m:t>.) </m:t>
+                          </m:r>
+                          <m:r>
+                            <a:rPr lang="en-US" sz="3200" b="0" i="1" smtClean="0">
+                              <a:latin typeface="Cambria Math" panose="02040503050406030204" pitchFamily="18" charset="0"/>
+                            </a:rPr>
+                            <m:t>2</m:t>
+                          </m:r>
+                          <m:r>
+                            <a:rPr lang="en-US" sz="3200" i="1">
+                              <a:latin typeface="Cambria Math" panose="02040503050406030204" pitchFamily="18" charset="0"/>
+                            </a:rPr>
+                            <m:t>(3)</m:t>
                           </m:r>
                         </m:e>
                         <m:sup>
                           <m:r>
-                            <a:rPr lang="en-US" sz="3200" i="1">
+                            <a:rPr lang="en-US" sz="3200" b="0" i="1" smtClean="0">
                               <a:latin typeface="Cambria Math" panose="02040503050406030204" pitchFamily="18" charset="0"/>
                             </a:rPr>
-                            <m:t>6</m:t>
+                            <m:t>3</m:t>
                           </m:r>
                           <m:r>
                             <a:rPr lang="en-US" sz="3200" i="1">
@@ -3904,7 +3916,7 @@
                             <a:rPr lang="en-US" sz="3200" i="1">
                               <a:latin typeface="Cambria Math" panose="02040503050406030204" pitchFamily="18" charset="0"/>
                             </a:rPr>
-                            <m:t>−12</m:t>
+                            <m:t>−2</m:t>
                           </m:r>
                         </m:sup>
                       </m:sSup>
@@ -3912,7 +3924,25 @@
                         <a:rPr lang="en-US" sz="3200" i="1">
                           <a:latin typeface="Cambria Math" panose="02040503050406030204" pitchFamily="18" charset="0"/>
                         </a:rPr>
-                        <m:t>+12=32</m:t>
+                        <m:t>+1</m:t>
+                      </m:r>
+                      <m:r>
+                        <a:rPr lang="en-US" sz="3200" b="0" i="1" smtClean="0">
+                          <a:latin typeface="Cambria Math" panose="02040503050406030204" pitchFamily="18" charset="0"/>
+                        </a:rPr>
+                        <m:t>6</m:t>
+                      </m:r>
+                      <m:r>
+                        <a:rPr lang="en-US" sz="3200" i="1">
+                          <a:latin typeface="Cambria Math" panose="02040503050406030204" pitchFamily="18" charset="0"/>
+                        </a:rPr>
+                        <m:t>=</m:t>
+                      </m:r>
+                      <m:r>
+                        <a:rPr lang="en-US" sz="3200" b="0" i="1" smtClean="0">
+                          <a:latin typeface="Cambria Math" panose="02040503050406030204" pitchFamily="18" charset="0"/>
+                        </a:rPr>
+                        <m:t>48</m:t>
                       </m:r>
                     </m:oMath>
                   </m:oMathPara>
@@ -3969,7 +3999,13 @@
                                 <a:rPr lang="en-US" sz="3200">
                                   <a:latin typeface="Cambria Math" panose="02040503050406030204" pitchFamily="18" charset="0"/>
                                 </a:rPr>
-                                <m:t>.) 4</m:t>
+                                <m:t>.) </m:t>
+                              </m:r>
+                              <m:r>
+                                <a:rPr lang="en-US" sz="3200" b="0" i="0" smtClean="0">
+                                  <a:latin typeface="Cambria Math" panose="02040503050406030204" pitchFamily="18" charset="0"/>
+                                </a:rPr>
+                                <m:t>5</m:t>
                               </m:r>
                               <m:r>
                                 <m:rPr>
@@ -4005,19 +4041,13 @@
                                 <a:rPr lang="en-US" sz="3200" i="1">
                                   <a:latin typeface="Cambria Math" panose="02040503050406030204" pitchFamily="18" charset="0"/>
                                 </a:rPr>
-                                <m:t>2</m:t>
-                              </m:r>
-                              <m:r>
-                                <a:rPr lang="en-US" sz="3200" i="1">
-                                  <a:latin typeface="Cambria Math" panose="02040503050406030204" pitchFamily="18" charset="0"/>
-                                </a:rPr>
                                 <m:t>𝑥</m:t>
                               </m:r>
                               <m:r>
-                                <a:rPr lang="en-US" sz="3200" i="1">
+                                <a:rPr lang="en-US" sz="3200" b="0" i="1" smtClean="0">
                                   <a:latin typeface="Cambria Math" panose="02040503050406030204" pitchFamily="18" charset="0"/>
                                 </a:rPr>
-                                <m:t>+9</m:t>
+                                <m:t>+3</m:t>
                               </m:r>
                             </m:e>
                           </m:d>
@@ -4025,7 +4055,13 @@
                             <a:rPr lang="en-US" sz="3200" i="1">
                               <a:latin typeface="Cambria Math" panose="02040503050406030204" pitchFamily="18" charset="0"/>
                             </a:rPr>
-                            <m:t>−21=3</m:t>
+                            <m:t>−2=</m:t>
+                          </m:r>
+                          <m:r>
+                            <a:rPr lang="en-US" sz="3200" b="0" i="1" smtClean="0">
+                              <a:latin typeface="Cambria Math" panose="02040503050406030204" pitchFamily="18" charset="0"/>
+                            </a:rPr>
+                            <m:t>48</m:t>
                           </m:r>
                         </m:e>
                       </m:func>
@@ -4037,7 +4073,7 @@
             </p:txBody>
           </p:sp>
         </mc:Choice>
-        <mc:Fallback xmlns="">
+        <mc:Fallback>
           <p:sp>
             <p:nvSpPr>
               <p:cNvPr id="3" name="Content Placeholder 2"/>
@@ -4173,6 +4209,13 @@
   <p:clrMapOvr>
     <a:masterClrMapping/>
   </p:clrMapOvr>
+  <p:timing>
+    <p:tnLst>
+      <p:par>
+        <p:cTn id="1" dur="indefinite" restart="never" nodeType="tmRoot"/>
+      </p:par>
+    </p:tnLst>
+  </p:timing>
 </p:sld>
 </file>
 
@@ -4241,11 +4284,7 @@
           <a:p>
             <a:r>
               <a:rPr lang="en-US" dirty="0" smtClean="0"/>
-              <a:t>Day </a:t>
-            </a:r>
-            <a:r>
-              <a:rPr lang="en-US" dirty="0" smtClean="0"/>
-              <a:t>77</a:t>
+              <a:t>Day 77</a:t>
             </a:r>
             <a:endParaRPr lang="en-US" dirty="0"/>
           </a:p>
@@ -4333,11 +4372,7 @@
             </a:pPr>
             <a:r>
               <a:rPr lang="en-US" sz="3000" dirty="0" smtClean="0"/>
-              <a:t>Objectives: </a:t>
-            </a:r>
-            <a:r>
-              <a:rPr lang="en-US" sz="3000" dirty="0" smtClean="0"/>
-              <a:t>To evaluate and simplify natural logs</a:t>
+              <a:t>Objectives: To evaluate and simplify natural logs</a:t>
             </a:r>
           </a:p>
           <a:p>
@@ -4368,6 +4403,13 @@
   <p:clrMapOvr>
     <a:masterClrMapping/>
   </p:clrMapOvr>
+  <p:timing>
+    <p:tnLst>
+      <p:par>
+        <p:cTn id="1" dur="indefinite" restart="never" nodeType="tmRoot"/>
+      </p:par>
+    </p:tnLst>
+  </p:timing>
 </p:sld>
 </file>
 
@@ -4411,8 +4453,8 @@
           </a:p>
         </p:txBody>
       </p:sp>
-      <mc:AlternateContent xmlns:mc="http://schemas.openxmlformats.org/markup-compatibility/2006">
-        <mc:Choice xmlns:a14="http://schemas.microsoft.com/office/drawing/2010/main" Requires="a14">
+      <mc:AlternateContent xmlns:mc="http://schemas.openxmlformats.org/markup-compatibility/2006" xmlns:a14="http://schemas.microsoft.com/office/drawing/2010/main">
+        <mc:Choice Requires="a14">
           <p:sp>
             <p:nvSpPr>
               <p:cNvPr id="3" name="Content Placeholder 2"/>
@@ -4863,11 +4905,7 @@
                 </a14:m>
                 <a:r>
                   <a:rPr lang="en-US" sz="3400" dirty="0" smtClean="0"/>
-                  <a:t>			</a:t>
-                </a:r>
-                <a:r>
-                  <a:rPr lang="en-US" sz="3400" dirty="0" smtClean="0"/>
-                  <a:t>	</a:t>
+                  <a:t>				</a:t>
                 </a:r>
                 <a14:m>
                   <m:oMath xmlns:m="http://schemas.openxmlformats.org/officeDocument/2006/math">
@@ -4964,7 +5002,7 @@
             </p:txBody>
           </p:sp>
         </mc:Choice>
-        <mc:Fallback>
+        <mc:Fallback xmlns="">
           <p:sp>
             <p:nvSpPr>
               <p:cNvPr id="3" name="Content Placeholder 2"/>
@@ -5012,6 +5050,13 @@
   <p:clrMapOvr>
     <a:masterClrMapping/>
   </p:clrMapOvr>
+  <p:timing>
+    <p:tnLst>
+      <p:par>
+        <p:cTn id="1" dur="indefinite" restart="never" nodeType="tmRoot"/>
+      </p:par>
+    </p:tnLst>
+  </p:timing>
 </p:sld>
 </file>
 
@@ -5430,6 +5475,13 @@
   <p:clrMapOvr>
     <a:masterClrMapping/>
   </p:clrMapOvr>
+  <p:timing>
+    <p:tnLst>
+      <p:par>
+        <p:cTn id="1" dur="indefinite" restart="never" nodeType="tmRoot"/>
+      </p:par>
+    </p:tnLst>
+  </p:timing>
 </p:sld>
 </file>
 
@@ -5561,6 +5613,13 @@
   <p:clrMapOvr>
     <a:masterClrMapping/>
   </p:clrMapOvr>
+  <p:timing>
+    <p:tnLst>
+      <p:par>
+        <p:cTn id="1" dur="indefinite" restart="never" nodeType="tmRoot"/>
+      </p:par>
+    </p:tnLst>
+  </p:timing>
 </p:sld>
 </file>
 
@@ -5618,7 +5677,9 @@
             </p:nvSpPr>
             <p:spPr/>
             <p:txBody>
-              <a:bodyPr/>
+              <a:bodyPr>
+                <a:normAutofit/>
+              </a:bodyPr>
               <a:lstStyle/>
               <a:p>
                 <a:pPr marL="0" indent="0">
@@ -5634,19 +5695,35 @@
                 </a:r>
                 <a:r>
                   <a:rPr lang="en-US" sz="3000" dirty="0" smtClean="0"/>
-                  <a:t>x = 4						</a:t>
+                  <a:t>x = 4				</a:t>
+                </a:r>
+                <a:r>
+                  <a:rPr lang="en-US" sz="3000" smtClean="0"/>
+                  <a:t>	</a:t>
+                </a:r>
+                <a:r>
+                  <a:rPr lang="en-US" sz="3000" smtClean="0"/>
+                  <a:t>2 </a:t>
                 </a:r>
                 <a:r>
                   <a:rPr lang="en-US" sz="3000" dirty="0"/>
-                  <a:t> ln </a:t>
+                  <a:t>ln </a:t>
                 </a:r>
                 <a:r>
                   <a:rPr lang="en-US" sz="3000" dirty="0" smtClean="0"/>
-                  <a:t>(9x–15) </a:t>
+                  <a:t>(</a:t>
+                </a:r>
+                <a:r>
+                  <a:rPr lang="en-US" sz="3000" smtClean="0"/>
+                  <a:t>9x–15</a:t>
+                </a:r>
+                <a:r>
+                  <a:rPr lang="en-US" sz="3000"/>
+                  <a:t>) – 10= </a:t>
                 </a:r>
                 <a:r>
                   <a:rPr lang="en-US" sz="3000" dirty="0"/>
-                  <a:t>= 8</a:t>
+                  <a:t>8</a:t>
                 </a:r>
                 <a:endParaRPr lang="en-US" sz="3000" dirty="0" smtClean="0"/>
               </a:p>
@@ -5691,12 +5768,6 @@
                           <a:rPr lang="en-US" sz="3000" b="0" i="1" smtClean="0">
                             <a:latin typeface="Cambria Math" panose="02040503050406030204" pitchFamily="18" charset="0"/>
                           </a:rPr>
-                          <m:t>5</m:t>
-                        </m:r>
-                        <m:r>
-                          <a:rPr lang="en-US" sz="3000" b="0" i="1" smtClean="0">
-                            <a:latin typeface="Cambria Math" panose="02040503050406030204" pitchFamily="18" charset="0"/>
-                          </a:rPr>
                           <m:t>𝑒</m:t>
                         </m:r>
                       </m:e>
@@ -5772,6 +5843,12 @@
                         </m:r>
                       </m:sup>
                     </m:sSup>
+                    <m:r>
+                      <a:rPr lang="en-US" sz="3000" b="0" i="1" smtClean="0">
+                        <a:latin typeface="Cambria Math" panose="02040503050406030204" pitchFamily="18" charset="0"/>
+                      </a:rPr>
+                      <m:t>+4</m:t>
+                    </m:r>
                     <m:r>
                       <a:rPr lang="en-US" sz="3000" i="1">
                         <a:latin typeface="Cambria Math" panose="02040503050406030204" pitchFamily="18" charset="0"/>
@@ -5841,6 +5918,13 @@
   <p:clrMapOvr>
     <a:masterClrMapping/>
   </p:clrMapOvr>
+  <p:timing>
+    <p:tnLst>
+      <p:par>
+        <p:cTn id="1" dur="indefinite" restart="never" nodeType="tmRoot"/>
+      </p:par>
+    </p:tnLst>
+  </p:timing>
 </p:sld>
 </file>
 
@@ -5906,11 +5990,19 @@
             </a:pPr>
             <a:r>
               <a:rPr lang="en-US" sz="3400" smtClean="0"/>
-              <a:t>Page </a:t>
+              <a:t>Page 480 # </a:t>
             </a:r>
             <a:r>
               <a:rPr lang="en-US" sz="3400" smtClean="0"/>
-              <a:t>480 # 1–8, 11, 13, 21, 29, 31, 35, 38 </a:t>
+              <a:t>5–8</a:t>
+            </a:r>
+            <a:r>
+              <a:rPr lang="en-US" sz="3400" smtClean="0"/>
+              <a:t>, 11, 13, 21, 29, 31, 35, </a:t>
+            </a:r>
+            <a:r>
+              <a:rPr lang="en-US" sz="3400" smtClean="0"/>
+              <a:t>38, 39 </a:t>
             </a:r>
             <a:endParaRPr lang="en-US" sz="3400" dirty="0"/>
           </a:p>
@@ -5926,6 +6018,13 @@
   <p:clrMapOvr>
     <a:masterClrMapping/>
   </p:clrMapOvr>
+  <p:timing>
+    <p:tnLst>
+      <p:par>
+        <p:cTn id="1" dur="indefinite" restart="never" nodeType="tmRoot"/>
+      </p:par>
+    </p:tnLst>
+  </p:timing>
 </p:sld>
 </file>
 

--- a/_PowerPoints/2nd Semester/Unit 9 Logarithms/Algebra_4_Day_077 7.6 Natural Logarithms.pptx
+++ b/_PowerPoints/2nd Semester/Unit 9 Logarithms/Algebra_4_Day_077 7.6 Natural Logarithms.pptx
@@ -3942,7 +3942,7 @@
                         <a:rPr lang="en-US" sz="3200" b="0" i="1" smtClean="0">
                           <a:latin typeface="Cambria Math" panose="02040503050406030204" pitchFamily="18" charset="0"/>
                         </a:rPr>
-                        <m:t>48</m:t>
+                        <m:t>50</m:t>
                       </m:r>
                     </m:oMath>
                   </m:oMathPara>
@@ -5663,8 +5663,8 @@
           </a:p>
         </p:txBody>
       </p:sp>
-      <mc:AlternateContent xmlns:mc="http://schemas.openxmlformats.org/markup-compatibility/2006">
-        <mc:Choice xmlns:a14="http://schemas.microsoft.com/office/drawing/2010/main" Requires="a14">
+      <mc:AlternateContent xmlns:mc="http://schemas.openxmlformats.org/markup-compatibility/2006" xmlns:a14="http://schemas.microsoft.com/office/drawing/2010/main">
+        <mc:Choice Requires="a14">
           <p:sp>
             <p:nvSpPr>
               <p:cNvPr id="3" name="Content Placeholder 2"/>
@@ -5699,11 +5699,7 @@
                 </a:r>
                 <a:r>
                   <a:rPr lang="en-US" sz="3000" smtClean="0"/>
-                  <a:t>	</a:t>
-                </a:r>
-                <a:r>
-                  <a:rPr lang="en-US" sz="3000" smtClean="0"/>
-                  <a:t>2 </a:t>
+                  <a:t>	2 </a:t>
                 </a:r>
                 <a:r>
                   <a:rPr lang="en-US" sz="3000" dirty="0"/>
@@ -5874,7 +5870,7 @@
             </p:txBody>
           </p:sp>
         </mc:Choice>
-        <mc:Fallback>
+        <mc:Fallback xmlns="">
           <p:sp>
             <p:nvSpPr>
               <p:cNvPr id="3" name="Content Placeholder 2"/>
@@ -5990,19 +5986,7 @@
             </a:pPr>
             <a:r>
               <a:rPr lang="en-US" sz="3400" smtClean="0"/>
-              <a:t>Page 480 # </a:t>
-            </a:r>
-            <a:r>
-              <a:rPr lang="en-US" sz="3400" smtClean="0"/>
-              <a:t>5–8</a:t>
-            </a:r>
-            <a:r>
-              <a:rPr lang="en-US" sz="3400" smtClean="0"/>
-              <a:t>, 11, 13, 21, 29, 31, 35, </a:t>
-            </a:r>
-            <a:r>
-              <a:rPr lang="en-US" sz="3400" smtClean="0"/>
-              <a:t>38, 39 </a:t>
+              <a:t>Page 480 # 5–8, 11, 13, 21, 29, 31, 35, 38, 39 </a:t>
             </a:r>
             <a:endParaRPr lang="en-US" sz="3400" dirty="0"/>
           </a:p>
